--- a/ppt 16-9/0482.主的呼唤.pptx
+++ b/ppt 16-9/0482.主的呼唤.pptx
@@ -5,7 +5,7 @@
     <p:sldMasterId id="2147483648" r:id="rId1"/>
   </p:sldMasterIdLst>
   <p:sldIdLst>
-    <p:sldId id="2990" r:id="rId2"/>
+    <p:sldId id="2992" r:id="rId2"/>
   </p:sldIdLst>
   <p:sldSz cx="12192000" cy="6858000"/>
   <p:notesSz cx="6858000" cy="9144000"/>
@@ -129,7 +129,7 @@
           <p:cNvPr id="2" name="标题 1">
             <a:extLst>
               <a:ext uri="{FF2B5EF4-FFF2-40B4-BE49-F238E27FC236}">
-                <a16:creationId xmlns:a16="http://schemas.microsoft.com/office/drawing/2014/main" id="{E0590E08-9D96-BB3D-C177-AF0869F50743}"/>
+                <a16:creationId xmlns:a16="http://schemas.microsoft.com/office/drawing/2014/main" id="{FA5B1214-8193-5D27-0B72-3F3DD9DE3B3A}"/>
               </a:ext>
             </a:extLst>
           </p:cNvPr>
@@ -166,7 +166,7 @@
           <p:cNvPr id="3" name="副标题 2">
             <a:extLst>
               <a:ext uri="{FF2B5EF4-FFF2-40B4-BE49-F238E27FC236}">
-                <a16:creationId xmlns:a16="http://schemas.microsoft.com/office/drawing/2014/main" id="{02259549-BEE2-9A77-C6DF-EBCF3047AAA6}"/>
+                <a16:creationId xmlns:a16="http://schemas.microsoft.com/office/drawing/2014/main" id="{65DB7A1D-93D9-72AB-BC64-1CD546F0CBFF}"/>
               </a:ext>
             </a:extLst>
           </p:cNvPr>
@@ -236,7 +236,7 @@
           <p:cNvPr id="4" name="日期占位符 3">
             <a:extLst>
               <a:ext uri="{FF2B5EF4-FFF2-40B4-BE49-F238E27FC236}">
-                <a16:creationId xmlns:a16="http://schemas.microsoft.com/office/drawing/2014/main" id="{8BDF1653-6751-8A75-5A76-7702EC6F3EB5}"/>
+                <a16:creationId xmlns:a16="http://schemas.microsoft.com/office/drawing/2014/main" id="{56CD278E-BEE5-E858-9F24-30FFC20F7DCE}"/>
               </a:ext>
             </a:extLst>
           </p:cNvPr>
@@ -252,7 +252,7 @@
           <a:bodyPr/>
           <a:lstStyle/>
           <a:p>
-            <a:fld id="{7A2871EE-5EA3-49A2-B8E2-632B7AC8BE40}" type="datetimeFigureOut">
+            <a:fld id="{DA4510DC-FB33-46B4-AF01-C3414747CCE4}" type="datetimeFigureOut">
               <a:rPr lang="zh-CN" altLang="en-US" smtClean="0"/>
               <a:t>2024/3/10</a:t>
             </a:fld>
@@ -265,7 +265,7 @@
           <p:cNvPr id="5" name="页脚占位符 4">
             <a:extLst>
               <a:ext uri="{FF2B5EF4-FFF2-40B4-BE49-F238E27FC236}">
-                <a16:creationId xmlns:a16="http://schemas.microsoft.com/office/drawing/2014/main" id="{C7F49881-6EF7-CC1A-C7A8-086759CE4756}"/>
+                <a16:creationId xmlns:a16="http://schemas.microsoft.com/office/drawing/2014/main" id="{F5EA22BC-FC36-0A95-9297-93591E00D1C7}"/>
               </a:ext>
             </a:extLst>
           </p:cNvPr>
@@ -290,7 +290,7 @@
           <p:cNvPr id="6" name="灯片编号占位符 5">
             <a:extLst>
               <a:ext uri="{FF2B5EF4-FFF2-40B4-BE49-F238E27FC236}">
-                <a16:creationId xmlns:a16="http://schemas.microsoft.com/office/drawing/2014/main" id="{28BDDFF1-613E-8438-71CE-827935DCB47A}"/>
+                <a16:creationId xmlns:a16="http://schemas.microsoft.com/office/drawing/2014/main" id="{DCD1FDD5-69F6-15BE-537F-C6E428CC1371}"/>
               </a:ext>
             </a:extLst>
           </p:cNvPr>
@@ -306,7 +306,7 @@
           <a:bodyPr/>
           <a:lstStyle/>
           <a:p>
-            <a:fld id="{EEE0231E-FEC2-4A4C-A0C8-165D6092FDCD}" type="slidenum">
+            <a:fld id="{A2524FD7-6284-4F66-937E-1A532F72B4B8}" type="slidenum">
               <a:rPr lang="zh-CN" altLang="en-US" smtClean="0"/>
               <a:t>‹#›</a:t>
             </a:fld>
@@ -317,7 +317,7 @@
     </p:spTree>
     <p:extLst>
       <p:ext uri="{BB962C8B-B14F-4D97-AF65-F5344CB8AC3E}">
-        <p14:creationId xmlns:p14="http://schemas.microsoft.com/office/powerpoint/2010/main" val="122052855"/>
+        <p14:creationId xmlns:p14="http://schemas.microsoft.com/office/powerpoint/2010/main" val="3651585864"/>
       </p:ext>
     </p:extLst>
   </p:cSld>
@@ -349,7 +349,7 @@
           <p:cNvPr id="2" name="标题 1">
             <a:extLst>
               <a:ext uri="{FF2B5EF4-FFF2-40B4-BE49-F238E27FC236}">
-                <a16:creationId xmlns:a16="http://schemas.microsoft.com/office/drawing/2014/main" id="{E0F69B14-1503-510A-0A33-D01DE19D561B}"/>
+                <a16:creationId xmlns:a16="http://schemas.microsoft.com/office/drawing/2014/main" id="{3874BB4A-5238-AB8F-D732-EAD12F1B8DF1}"/>
               </a:ext>
             </a:extLst>
           </p:cNvPr>
@@ -377,7 +377,7 @@
           <p:cNvPr id="3" name="竖排文字占位符 2">
             <a:extLst>
               <a:ext uri="{FF2B5EF4-FFF2-40B4-BE49-F238E27FC236}">
-                <a16:creationId xmlns:a16="http://schemas.microsoft.com/office/drawing/2014/main" id="{16483894-89E4-E42B-68F5-C87D5EABE43B}"/>
+                <a16:creationId xmlns:a16="http://schemas.microsoft.com/office/drawing/2014/main" id="{B7F39B9F-1FBE-7390-F3A3-C48F366E43FD}"/>
               </a:ext>
             </a:extLst>
           </p:cNvPr>
@@ -434,7 +434,7 @@
           <p:cNvPr id="4" name="日期占位符 3">
             <a:extLst>
               <a:ext uri="{FF2B5EF4-FFF2-40B4-BE49-F238E27FC236}">
-                <a16:creationId xmlns:a16="http://schemas.microsoft.com/office/drawing/2014/main" id="{47A5399C-4C30-F730-A0F6-47309ED7B7EC}"/>
+                <a16:creationId xmlns:a16="http://schemas.microsoft.com/office/drawing/2014/main" id="{4A214D13-4D11-6BD8-1D07-EDF471EC95E2}"/>
               </a:ext>
             </a:extLst>
           </p:cNvPr>
@@ -450,7 +450,7 @@
           <a:bodyPr/>
           <a:lstStyle/>
           <a:p>
-            <a:fld id="{7A2871EE-5EA3-49A2-B8E2-632B7AC8BE40}" type="datetimeFigureOut">
+            <a:fld id="{DA4510DC-FB33-46B4-AF01-C3414747CCE4}" type="datetimeFigureOut">
               <a:rPr lang="zh-CN" altLang="en-US" smtClean="0"/>
               <a:t>2024/3/10</a:t>
             </a:fld>
@@ -463,7 +463,7 @@
           <p:cNvPr id="5" name="页脚占位符 4">
             <a:extLst>
               <a:ext uri="{FF2B5EF4-FFF2-40B4-BE49-F238E27FC236}">
-                <a16:creationId xmlns:a16="http://schemas.microsoft.com/office/drawing/2014/main" id="{A8CFABCF-B103-3C23-E0DD-E9B0162309C8}"/>
+                <a16:creationId xmlns:a16="http://schemas.microsoft.com/office/drawing/2014/main" id="{FDCAD3A8-3FAB-C34A-7906-36574C407652}"/>
               </a:ext>
             </a:extLst>
           </p:cNvPr>
@@ -488,7 +488,7 @@
           <p:cNvPr id="6" name="灯片编号占位符 5">
             <a:extLst>
               <a:ext uri="{FF2B5EF4-FFF2-40B4-BE49-F238E27FC236}">
-                <a16:creationId xmlns:a16="http://schemas.microsoft.com/office/drawing/2014/main" id="{C7855915-0CDF-67DE-AFBB-BD0E7EF28E8F}"/>
+                <a16:creationId xmlns:a16="http://schemas.microsoft.com/office/drawing/2014/main" id="{2A913633-8111-9D54-DBD4-ED8D0F4E6FAE}"/>
               </a:ext>
             </a:extLst>
           </p:cNvPr>
@@ -504,7 +504,7 @@
           <a:bodyPr/>
           <a:lstStyle/>
           <a:p>
-            <a:fld id="{EEE0231E-FEC2-4A4C-A0C8-165D6092FDCD}" type="slidenum">
+            <a:fld id="{A2524FD7-6284-4F66-937E-1A532F72B4B8}" type="slidenum">
               <a:rPr lang="zh-CN" altLang="en-US" smtClean="0"/>
               <a:t>‹#›</a:t>
             </a:fld>
@@ -515,7 +515,7 @@
     </p:spTree>
     <p:extLst>
       <p:ext uri="{BB962C8B-B14F-4D97-AF65-F5344CB8AC3E}">
-        <p14:creationId xmlns:p14="http://schemas.microsoft.com/office/powerpoint/2010/main" val="4282067874"/>
+        <p14:creationId xmlns:p14="http://schemas.microsoft.com/office/powerpoint/2010/main" val="4193441087"/>
       </p:ext>
     </p:extLst>
   </p:cSld>
@@ -547,7 +547,7 @@
           <p:cNvPr id="2" name="竖排标题 1">
             <a:extLst>
               <a:ext uri="{FF2B5EF4-FFF2-40B4-BE49-F238E27FC236}">
-                <a16:creationId xmlns:a16="http://schemas.microsoft.com/office/drawing/2014/main" id="{5B0D050A-C51E-67EC-B058-E9DECD85191C}"/>
+                <a16:creationId xmlns:a16="http://schemas.microsoft.com/office/drawing/2014/main" id="{5810FF7F-807D-00E4-2115-E698C7744836}"/>
               </a:ext>
             </a:extLst>
           </p:cNvPr>
@@ -580,7 +580,7 @@
           <p:cNvPr id="3" name="竖排文字占位符 2">
             <a:extLst>
               <a:ext uri="{FF2B5EF4-FFF2-40B4-BE49-F238E27FC236}">
-                <a16:creationId xmlns:a16="http://schemas.microsoft.com/office/drawing/2014/main" id="{644F6FD0-DE0B-11BB-3BED-6C861A89A3BF}"/>
+                <a16:creationId xmlns:a16="http://schemas.microsoft.com/office/drawing/2014/main" id="{61BADA6B-0079-2F21-DC2D-15F2AA702AA2}"/>
               </a:ext>
             </a:extLst>
           </p:cNvPr>
@@ -642,7 +642,7 @@
           <p:cNvPr id="4" name="日期占位符 3">
             <a:extLst>
               <a:ext uri="{FF2B5EF4-FFF2-40B4-BE49-F238E27FC236}">
-                <a16:creationId xmlns:a16="http://schemas.microsoft.com/office/drawing/2014/main" id="{D0CB0875-294D-5D27-5A36-A9B74B458FDF}"/>
+                <a16:creationId xmlns:a16="http://schemas.microsoft.com/office/drawing/2014/main" id="{95992B93-A12E-F16F-F3BB-95506B78956F}"/>
               </a:ext>
             </a:extLst>
           </p:cNvPr>
@@ -658,7 +658,7 @@
           <a:bodyPr/>
           <a:lstStyle/>
           <a:p>
-            <a:fld id="{7A2871EE-5EA3-49A2-B8E2-632B7AC8BE40}" type="datetimeFigureOut">
+            <a:fld id="{DA4510DC-FB33-46B4-AF01-C3414747CCE4}" type="datetimeFigureOut">
               <a:rPr lang="zh-CN" altLang="en-US" smtClean="0"/>
               <a:t>2024/3/10</a:t>
             </a:fld>
@@ -671,7 +671,7 @@
           <p:cNvPr id="5" name="页脚占位符 4">
             <a:extLst>
               <a:ext uri="{FF2B5EF4-FFF2-40B4-BE49-F238E27FC236}">
-                <a16:creationId xmlns:a16="http://schemas.microsoft.com/office/drawing/2014/main" id="{01811AF0-A407-BA8D-4644-9CDFFC12DE4B}"/>
+                <a16:creationId xmlns:a16="http://schemas.microsoft.com/office/drawing/2014/main" id="{CD57642D-71F1-77E3-69EF-24B0D2037BE8}"/>
               </a:ext>
             </a:extLst>
           </p:cNvPr>
@@ -696,7 +696,7 @@
           <p:cNvPr id="6" name="灯片编号占位符 5">
             <a:extLst>
               <a:ext uri="{FF2B5EF4-FFF2-40B4-BE49-F238E27FC236}">
-                <a16:creationId xmlns:a16="http://schemas.microsoft.com/office/drawing/2014/main" id="{3E2F26C2-7591-F0F5-92E3-0D5DAB2DEA56}"/>
+                <a16:creationId xmlns:a16="http://schemas.microsoft.com/office/drawing/2014/main" id="{43E2F88C-A5BA-50BE-DF73-CAC2C2797890}"/>
               </a:ext>
             </a:extLst>
           </p:cNvPr>
@@ -712,7 +712,7 @@
           <a:bodyPr/>
           <a:lstStyle/>
           <a:p>
-            <a:fld id="{EEE0231E-FEC2-4A4C-A0C8-165D6092FDCD}" type="slidenum">
+            <a:fld id="{A2524FD7-6284-4F66-937E-1A532F72B4B8}" type="slidenum">
               <a:rPr lang="zh-CN" altLang="en-US" smtClean="0"/>
               <a:t>‹#›</a:t>
             </a:fld>
@@ -723,7 +723,7 @@
     </p:spTree>
     <p:extLst>
       <p:ext uri="{BB962C8B-B14F-4D97-AF65-F5344CB8AC3E}">
-        <p14:creationId xmlns:p14="http://schemas.microsoft.com/office/powerpoint/2010/main" val="1981102021"/>
+        <p14:creationId xmlns:p14="http://schemas.microsoft.com/office/powerpoint/2010/main" val="3154221121"/>
       </p:ext>
     </p:extLst>
   </p:cSld>
@@ -755,7 +755,7 @@
           <p:cNvPr id="2" name="标题 1">
             <a:extLst>
               <a:ext uri="{FF2B5EF4-FFF2-40B4-BE49-F238E27FC236}">
-                <a16:creationId xmlns:a16="http://schemas.microsoft.com/office/drawing/2014/main" id="{6D6BE9B8-F56E-2F94-DE83-85A7D4CE9E6E}"/>
+                <a16:creationId xmlns:a16="http://schemas.microsoft.com/office/drawing/2014/main" id="{5AB28133-2AAF-425E-7763-9FB1EABFC3BE}"/>
               </a:ext>
             </a:extLst>
           </p:cNvPr>
@@ -783,7 +783,7 @@
           <p:cNvPr id="3" name="内容占位符 2">
             <a:extLst>
               <a:ext uri="{FF2B5EF4-FFF2-40B4-BE49-F238E27FC236}">
-                <a16:creationId xmlns:a16="http://schemas.microsoft.com/office/drawing/2014/main" id="{D2654BB0-457F-9025-5725-E2551A2A7685}"/>
+                <a16:creationId xmlns:a16="http://schemas.microsoft.com/office/drawing/2014/main" id="{4C409539-38AB-F079-2C42-339B397676A7}"/>
               </a:ext>
             </a:extLst>
           </p:cNvPr>
@@ -840,7 +840,7 @@
           <p:cNvPr id="4" name="日期占位符 3">
             <a:extLst>
               <a:ext uri="{FF2B5EF4-FFF2-40B4-BE49-F238E27FC236}">
-                <a16:creationId xmlns:a16="http://schemas.microsoft.com/office/drawing/2014/main" id="{A63440C3-5FF1-435B-9CAD-DD2433F39E9D}"/>
+                <a16:creationId xmlns:a16="http://schemas.microsoft.com/office/drawing/2014/main" id="{A39EB6B3-DBA7-497B-93FB-6E59CC836516}"/>
               </a:ext>
             </a:extLst>
           </p:cNvPr>
@@ -856,7 +856,7 @@
           <a:bodyPr/>
           <a:lstStyle/>
           <a:p>
-            <a:fld id="{7A2871EE-5EA3-49A2-B8E2-632B7AC8BE40}" type="datetimeFigureOut">
+            <a:fld id="{DA4510DC-FB33-46B4-AF01-C3414747CCE4}" type="datetimeFigureOut">
               <a:rPr lang="zh-CN" altLang="en-US" smtClean="0"/>
               <a:t>2024/3/10</a:t>
             </a:fld>
@@ -869,7 +869,7 @@
           <p:cNvPr id="5" name="页脚占位符 4">
             <a:extLst>
               <a:ext uri="{FF2B5EF4-FFF2-40B4-BE49-F238E27FC236}">
-                <a16:creationId xmlns:a16="http://schemas.microsoft.com/office/drawing/2014/main" id="{F9E0C229-D20C-7AE0-F00B-8E88BC58ADC3}"/>
+                <a16:creationId xmlns:a16="http://schemas.microsoft.com/office/drawing/2014/main" id="{00DF4E8B-2FFF-3B84-DC69-A988F286494C}"/>
               </a:ext>
             </a:extLst>
           </p:cNvPr>
@@ -894,7 +894,7 @@
           <p:cNvPr id="6" name="灯片编号占位符 5">
             <a:extLst>
               <a:ext uri="{FF2B5EF4-FFF2-40B4-BE49-F238E27FC236}">
-                <a16:creationId xmlns:a16="http://schemas.microsoft.com/office/drawing/2014/main" id="{2EB3E6AA-1209-AFE5-DE82-D08B699073FE}"/>
+                <a16:creationId xmlns:a16="http://schemas.microsoft.com/office/drawing/2014/main" id="{222EBAA9-70A4-D376-2D03-0D440BB1FCF4}"/>
               </a:ext>
             </a:extLst>
           </p:cNvPr>
@@ -910,7 +910,7 @@
           <a:bodyPr/>
           <a:lstStyle/>
           <a:p>
-            <a:fld id="{EEE0231E-FEC2-4A4C-A0C8-165D6092FDCD}" type="slidenum">
+            <a:fld id="{A2524FD7-6284-4F66-937E-1A532F72B4B8}" type="slidenum">
               <a:rPr lang="zh-CN" altLang="en-US" smtClean="0"/>
               <a:t>‹#›</a:t>
             </a:fld>
@@ -921,7 +921,7 @@
     </p:spTree>
     <p:extLst>
       <p:ext uri="{BB962C8B-B14F-4D97-AF65-F5344CB8AC3E}">
-        <p14:creationId xmlns:p14="http://schemas.microsoft.com/office/powerpoint/2010/main" val="525276312"/>
+        <p14:creationId xmlns:p14="http://schemas.microsoft.com/office/powerpoint/2010/main" val="3473424173"/>
       </p:ext>
     </p:extLst>
   </p:cSld>
@@ -953,7 +953,7 @@
           <p:cNvPr id="2" name="标题 1">
             <a:extLst>
               <a:ext uri="{FF2B5EF4-FFF2-40B4-BE49-F238E27FC236}">
-                <a16:creationId xmlns:a16="http://schemas.microsoft.com/office/drawing/2014/main" id="{885DC981-94A1-072B-6F54-B410DFC7D494}"/>
+                <a16:creationId xmlns:a16="http://schemas.microsoft.com/office/drawing/2014/main" id="{1F57D6E4-03F3-D5B8-C04F-C9461BC640EE}"/>
               </a:ext>
             </a:extLst>
           </p:cNvPr>
@@ -990,7 +990,7 @@
           <p:cNvPr id="3" name="文本占位符 2">
             <a:extLst>
               <a:ext uri="{FF2B5EF4-FFF2-40B4-BE49-F238E27FC236}">
-                <a16:creationId xmlns:a16="http://schemas.microsoft.com/office/drawing/2014/main" id="{6B47488E-169F-89E9-A4E1-CBEA37C76344}"/>
+                <a16:creationId xmlns:a16="http://schemas.microsoft.com/office/drawing/2014/main" id="{8789F4E4-7F88-13BD-CB48-155198345A75}"/>
               </a:ext>
             </a:extLst>
           </p:cNvPr>
@@ -1115,7 +1115,7 @@
           <p:cNvPr id="4" name="日期占位符 3">
             <a:extLst>
               <a:ext uri="{FF2B5EF4-FFF2-40B4-BE49-F238E27FC236}">
-                <a16:creationId xmlns:a16="http://schemas.microsoft.com/office/drawing/2014/main" id="{E2DB2E7F-9156-854F-EE1D-896F54D5A37D}"/>
+                <a16:creationId xmlns:a16="http://schemas.microsoft.com/office/drawing/2014/main" id="{BC3412E4-2805-E808-A552-DF9845F25A10}"/>
               </a:ext>
             </a:extLst>
           </p:cNvPr>
@@ -1131,7 +1131,7 @@
           <a:bodyPr/>
           <a:lstStyle/>
           <a:p>
-            <a:fld id="{7A2871EE-5EA3-49A2-B8E2-632B7AC8BE40}" type="datetimeFigureOut">
+            <a:fld id="{DA4510DC-FB33-46B4-AF01-C3414747CCE4}" type="datetimeFigureOut">
               <a:rPr lang="zh-CN" altLang="en-US" smtClean="0"/>
               <a:t>2024/3/10</a:t>
             </a:fld>
@@ -1144,7 +1144,7 @@
           <p:cNvPr id="5" name="页脚占位符 4">
             <a:extLst>
               <a:ext uri="{FF2B5EF4-FFF2-40B4-BE49-F238E27FC236}">
-                <a16:creationId xmlns:a16="http://schemas.microsoft.com/office/drawing/2014/main" id="{5ACB7D8B-A2DC-0DED-CCA3-05E428C074F6}"/>
+                <a16:creationId xmlns:a16="http://schemas.microsoft.com/office/drawing/2014/main" id="{54695B80-11A3-6576-810C-21D6A9AFB3C0}"/>
               </a:ext>
             </a:extLst>
           </p:cNvPr>
@@ -1169,7 +1169,7 @@
           <p:cNvPr id="6" name="灯片编号占位符 5">
             <a:extLst>
               <a:ext uri="{FF2B5EF4-FFF2-40B4-BE49-F238E27FC236}">
-                <a16:creationId xmlns:a16="http://schemas.microsoft.com/office/drawing/2014/main" id="{884DB640-3A67-8D7D-EDBC-B59E989A3288}"/>
+                <a16:creationId xmlns:a16="http://schemas.microsoft.com/office/drawing/2014/main" id="{A77B7601-A177-D07B-B042-8DDDB653C652}"/>
               </a:ext>
             </a:extLst>
           </p:cNvPr>
@@ -1185,7 +1185,7 @@
           <a:bodyPr/>
           <a:lstStyle/>
           <a:p>
-            <a:fld id="{EEE0231E-FEC2-4A4C-A0C8-165D6092FDCD}" type="slidenum">
+            <a:fld id="{A2524FD7-6284-4F66-937E-1A532F72B4B8}" type="slidenum">
               <a:rPr lang="zh-CN" altLang="en-US" smtClean="0"/>
               <a:t>‹#›</a:t>
             </a:fld>
@@ -1196,7 +1196,7 @@
     </p:spTree>
     <p:extLst>
       <p:ext uri="{BB962C8B-B14F-4D97-AF65-F5344CB8AC3E}">
-        <p14:creationId xmlns:p14="http://schemas.microsoft.com/office/powerpoint/2010/main" val="12923064"/>
+        <p14:creationId xmlns:p14="http://schemas.microsoft.com/office/powerpoint/2010/main" val="3390105746"/>
       </p:ext>
     </p:extLst>
   </p:cSld>
@@ -1228,7 +1228,7 @@
           <p:cNvPr id="2" name="标题 1">
             <a:extLst>
               <a:ext uri="{FF2B5EF4-FFF2-40B4-BE49-F238E27FC236}">
-                <a16:creationId xmlns:a16="http://schemas.microsoft.com/office/drawing/2014/main" id="{947C4631-3F61-F34E-C9DA-A2F1A99A2BD4}"/>
+                <a16:creationId xmlns:a16="http://schemas.microsoft.com/office/drawing/2014/main" id="{B7810F3C-FAC8-24E9-8923-98F17E35936F}"/>
               </a:ext>
             </a:extLst>
           </p:cNvPr>
@@ -1256,7 +1256,7 @@
           <p:cNvPr id="3" name="内容占位符 2">
             <a:extLst>
               <a:ext uri="{FF2B5EF4-FFF2-40B4-BE49-F238E27FC236}">
-                <a16:creationId xmlns:a16="http://schemas.microsoft.com/office/drawing/2014/main" id="{C6E9DF76-AE44-9681-6ADB-E9994442A774}"/>
+                <a16:creationId xmlns:a16="http://schemas.microsoft.com/office/drawing/2014/main" id="{DC0304D6-6B36-1886-E129-46715EF15B75}"/>
               </a:ext>
             </a:extLst>
           </p:cNvPr>
@@ -1318,7 +1318,7 @@
           <p:cNvPr id="4" name="内容占位符 3">
             <a:extLst>
               <a:ext uri="{FF2B5EF4-FFF2-40B4-BE49-F238E27FC236}">
-                <a16:creationId xmlns:a16="http://schemas.microsoft.com/office/drawing/2014/main" id="{30B979B2-9033-7888-6B69-D31F4CCA5652}"/>
+                <a16:creationId xmlns:a16="http://schemas.microsoft.com/office/drawing/2014/main" id="{E52365C6-1A38-852D-DFE5-EE4848FB3666}"/>
               </a:ext>
             </a:extLst>
           </p:cNvPr>
@@ -1380,7 +1380,7 @@
           <p:cNvPr id="5" name="日期占位符 4">
             <a:extLst>
               <a:ext uri="{FF2B5EF4-FFF2-40B4-BE49-F238E27FC236}">
-                <a16:creationId xmlns:a16="http://schemas.microsoft.com/office/drawing/2014/main" id="{6C48678F-4FD2-CEAD-31F7-1AC1D758818A}"/>
+                <a16:creationId xmlns:a16="http://schemas.microsoft.com/office/drawing/2014/main" id="{9FD6A71C-1290-A5F9-2355-AD42004BA339}"/>
               </a:ext>
             </a:extLst>
           </p:cNvPr>
@@ -1396,7 +1396,7 @@
           <a:bodyPr/>
           <a:lstStyle/>
           <a:p>
-            <a:fld id="{7A2871EE-5EA3-49A2-B8E2-632B7AC8BE40}" type="datetimeFigureOut">
+            <a:fld id="{DA4510DC-FB33-46B4-AF01-C3414747CCE4}" type="datetimeFigureOut">
               <a:rPr lang="zh-CN" altLang="en-US" smtClean="0"/>
               <a:t>2024/3/10</a:t>
             </a:fld>
@@ -1409,7 +1409,7 @@
           <p:cNvPr id="6" name="页脚占位符 5">
             <a:extLst>
               <a:ext uri="{FF2B5EF4-FFF2-40B4-BE49-F238E27FC236}">
-                <a16:creationId xmlns:a16="http://schemas.microsoft.com/office/drawing/2014/main" id="{741B01D3-CA0F-E59A-D419-9362F43E3545}"/>
+                <a16:creationId xmlns:a16="http://schemas.microsoft.com/office/drawing/2014/main" id="{6EEABB2B-616F-B2B1-C38F-FD32F25CA568}"/>
               </a:ext>
             </a:extLst>
           </p:cNvPr>
@@ -1434,7 +1434,7 @@
           <p:cNvPr id="7" name="灯片编号占位符 6">
             <a:extLst>
               <a:ext uri="{FF2B5EF4-FFF2-40B4-BE49-F238E27FC236}">
-                <a16:creationId xmlns:a16="http://schemas.microsoft.com/office/drawing/2014/main" id="{4F4BD675-04C8-1DBD-A236-BA38A8E11EB7}"/>
+                <a16:creationId xmlns:a16="http://schemas.microsoft.com/office/drawing/2014/main" id="{42017229-AFD2-1049-277F-B91BD5F68D43}"/>
               </a:ext>
             </a:extLst>
           </p:cNvPr>
@@ -1450,7 +1450,7 @@
           <a:bodyPr/>
           <a:lstStyle/>
           <a:p>
-            <a:fld id="{EEE0231E-FEC2-4A4C-A0C8-165D6092FDCD}" type="slidenum">
+            <a:fld id="{A2524FD7-6284-4F66-937E-1A532F72B4B8}" type="slidenum">
               <a:rPr lang="zh-CN" altLang="en-US" smtClean="0"/>
               <a:t>‹#›</a:t>
             </a:fld>
@@ -1461,7 +1461,7 @@
     </p:spTree>
     <p:extLst>
       <p:ext uri="{BB962C8B-B14F-4D97-AF65-F5344CB8AC3E}">
-        <p14:creationId xmlns:p14="http://schemas.microsoft.com/office/powerpoint/2010/main" val="896556770"/>
+        <p14:creationId xmlns:p14="http://schemas.microsoft.com/office/powerpoint/2010/main" val="265133260"/>
       </p:ext>
     </p:extLst>
   </p:cSld>
@@ -1493,7 +1493,7 @@
           <p:cNvPr id="2" name="标题 1">
             <a:extLst>
               <a:ext uri="{FF2B5EF4-FFF2-40B4-BE49-F238E27FC236}">
-                <a16:creationId xmlns:a16="http://schemas.microsoft.com/office/drawing/2014/main" id="{187E964C-E4C1-E98C-2817-A994C81A9BA6}"/>
+                <a16:creationId xmlns:a16="http://schemas.microsoft.com/office/drawing/2014/main" id="{22C1B91E-4859-2422-F23B-150AC9EF5B4A}"/>
               </a:ext>
             </a:extLst>
           </p:cNvPr>
@@ -1526,7 +1526,7 @@
           <p:cNvPr id="3" name="文本占位符 2">
             <a:extLst>
               <a:ext uri="{FF2B5EF4-FFF2-40B4-BE49-F238E27FC236}">
-                <a16:creationId xmlns:a16="http://schemas.microsoft.com/office/drawing/2014/main" id="{08536597-BD81-8E2F-EB5E-32297FB5D035}"/>
+                <a16:creationId xmlns:a16="http://schemas.microsoft.com/office/drawing/2014/main" id="{048759D3-87B7-250F-A787-3B14D1E43A2B}"/>
               </a:ext>
             </a:extLst>
           </p:cNvPr>
@@ -1597,7 +1597,7 @@
           <p:cNvPr id="4" name="内容占位符 3">
             <a:extLst>
               <a:ext uri="{FF2B5EF4-FFF2-40B4-BE49-F238E27FC236}">
-                <a16:creationId xmlns:a16="http://schemas.microsoft.com/office/drawing/2014/main" id="{BA7028D7-DBB9-55F8-AC73-1656154CA47A}"/>
+                <a16:creationId xmlns:a16="http://schemas.microsoft.com/office/drawing/2014/main" id="{22AD27D6-293F-24A2-8434-626269528DFB}"/>
               </a:ext>
             </a:extLst>
           </p:cNvPr>
@@ -1659,7 +1659,7 @@
           <p:cNvPr id="5" name="文本占位符 4">
             <a:extLst>
               <a:ext uri="{FF2B5EF4-FFF2-40B4-BE49-F238E27FC236}">
-                <a16:creationId xmlns:a16="http://schemas.microsoft.com/office/drawing/2014/main" id="{2A3364AD-ABA1-FF31-29A1-7E80E3EA59C3}"/>
+                <a16:creationId xmlns:a16="http://schemas.microsoft.com/office/drawing/2014/main" id="{56EA54AC-E6C5-5595-8DCC-83385C74E7B5}"/>
               </a:ext>
             </a:extLst>
           </p:cNvPr>
@@ -1730,7 +1730,7 @@
           <p:cNvPr id="6" name="内容占位符 5">
             <a:extLst>
               <a:ext uri="{FF2B5EF4-FFF2-40B4-BE49-F238E27FC236}">
-                <a16:creationId xmlns:a16="http://schemas.microsoft.com/office/drawing/2014/main" id="{0786594F-ECEE-8110-2A69-D2B1CFCBDB60}"/>
+                <a16:creationId xmlns:a16="http://schemas.microsoft.com/office/drawing/2014/main" id="{B4F5F4F5-2952-2575-73EB-76F48151C2F4}"/>
               </a:ext>
             </a:extLst>
           </p:cNvPr>
@@ -1792,7 +1792,7 @@
           <p:cNvPr id="7" name="日期占位符 6">
             <a:extLst>
               <a:ext uri="{FF2B5EF4-FFF2-40B4-BE49-F238E27FC236}">
-                <a16:creationId xmlns:a16="http://schemas.microsoft.com/office/drawing/2014/main" id="{9FF6AD23-36E9-776D-7EA1-1CCE02623247}"/>
+                <a16:creationId xmlns:a16="http://schemas.microsoft.com/office/drawing/2014/main" id="{BEC10E97-039A-6DD9-EC97-1B46C0AFB632}"/>
               </a:ext>
             </a:extLst>
           </p:cNvPr>
@@ -1808,7 +1808,7 @@
           <a:bodyPr/>
           <a:lstStyle/>
           <a:p>
-            <a:fld id="{7A2871EE-5EA3-49A2-B8E2-632B7AC8BE40}" type="datetimeFigureOut">
+            <a:fld id="{DA4510DC-FB33-46B4-AF01-C3414747CCE4}" type="datetimeFigureOut">
               <a:rPr lang="zh-CN" altLang="en-US" smtClean="0"/>
               <a:t>2024/3/10</a:t>
             </a:fld>
@@ -1821,7 +1821,7 @@
           <p:cNvPr id="8" name="页脚占位符 7">
             <a:extLst>
               <a:ext uri="{FF2B5EF4-FFF2-40B4-BE49-F238E27FC236}">
-                <a16:creationId xmlns:a16="http://schemas.microsoft.com/office/drawing/2014/main" id="{339B4FCE-7C07-1BD2-9255-7B008E1B8DC6}"/>
+                <a16:creationId xmlns:a16="http://schemas.microsoft.com/office/drawing/2014/main" id="{D1DE4E9E-BBD9-15B6-CE19-66F502AC5607}"/>
               </a:ext>
             </a:extLst>
           </p:cNvPr>
@@ -1846,7 +1846,7 @@
           <p:cNvPr id="9" name="灯片编号占位符 8">
             <a:extLst>
               <a:ext uri="{FF2B5EF4-FFF2-40B4-BE49-F238E27FC236}">
-                <a16:creationId xmlns:a16="http://schemas.microsoft.com/office/drawing/2014/main" id="{70F44C32-33C3-0EB1-5CE2-3C35A8C35139}"/>
+                <a16:creationId xmlns:a16="http://schemas.microsoft.com/office/drawing/2014/main" id="{E72B577D-D0B8-A8E3-07DD-F4F36F374743}"/>
               </a:ext>
             </a:extLst>
           </p:cNvPr>
@@ -1862,7 +1862,7 @@
           <a:bodyPr/>
           <a:lstStyle/>
           <a:p>
-            <a:fld id="{EEE0231E-FEC2-4A4C-A0C8-165D6092FDCD}" type="slidenum">
+            <a:fld id="{A2524FD7-6284-4F66-937E-1A532F72B4B8}" type="slidenum">
               <a:rPr lang="zh-CN" altLang="en-US" smtClean="0"/>
               <a:t>‹#›</a:t>
             </a:fld>
@@ -1873,7 +1873,7 @@
     </p:spTree>
     <p:extLst>
       <p:ext uri="{BB962C8B-B14F-4D97-AF65-F5344CB8AC3E}">
-        <p14:creationId xmlns:p14="http://schemas.microsoft.com/office/powerpoint/2010/main" val="304260085"/>
+        <p14:creationId xmlns:p14="http://schemas.microsoft.com/office/powerpoint/2010/main" val="638450415"/>
       </p:ext>
     </p:extLst>
   </p:cSld>
@@ -1905,7 +1905,7 @@
           <p:cNvPr id="2" name="标题 1">
             <a:extLst>
               <a:ext uri="{FF2B5EF4-FFF2-40B4-BE49-F238E27FC236}">
-                <a16:creationId xmlns:a16="http://schemas.microsoft.com/office/drawing/2014/main" id="{1659CCF5-413B-5981-ABDA-34FDB6CF0B61}"/>
+                <a16:creationId xmlns:a16="http://schemas.microsoft.com/office/drawing/2014/main" id="{678FBB42-2545-70A4-D6BA-7ADAF370FA39}"/>
               </a:ext>
             </a:extLst>
           </p:cNvPr>
@@ -1933,7 +1933,7 @@
           <p:cNvPr id="3" name="日期占位符 2">
             <a:extLst>
               <a:ext uri="{FF2B5EF4-FFF2-40B4-BE49-F238E27FC236}">
-                <a16:creationId xmlns:a16="http://schemas.microsoft.com/office/drawing/2014/main" id="{40339464-E224-8B1E-4F3D-CC3FA9D696AE}"/>
+                <a16:creationId xmlns:a16="http://schemas.microsoft.com/office/drawing/2014/main" id="{F8315A37-CDFC-69B0-34F5-EC450419A5CC}"/>
               </a:ext>
             </a:extLst>
           </p:cNvPr>
@@ -1949,7 +1949,7 @@
           <a:bodyPr/>
           <a:lstStyle/>
           <a:p>
-            <a:fld id="{7A2871EE-5EA3-49A2-B8E2-632B7AC8BE40}" type="datetimeFigureOut">
+            <a:fld id="{DA4510DC-FB33-46B4-AF01-C3414747CCE4}" type="datetimeFigureOut">
               <a:rPr lang="zh-CN" altLang="en-US" smtClean="0"/>
               <a:t>2024/3/10</a:t>
             </a:fld>
@@ -1962,7 +1962,7 @@
           <p:cNvPr id="4" name="页脚占位符 3">
             <a:extLst>
               <a:ext uri="{FF2B5EF4-FFF2-40B4-BE49-F238E27FC236}">
-                <a16:creationId xmlns:a16="http://schemas.microsoft.com/office/drawing/2014/main" id="{FDFA2AF1-34AD-EBEE-EA1A-FC88741E584B}"/>
+                <a16:creationId xmlns:a16="http://schemas.microsoft.com/office/drawing/2014/main" id="{C2E0A4A4-A00E-A00B-A1B5-ECC1A23C8168}"/>
               </a:ext>
             </a:extLst>
           </p:cNvPr>
@@ -1987,7 +1987,7 @@
           <p:cNvPr id="5" name="灯片编号占位符 4">
             <a:extLst>
               <a:ext uri="{FF2B5EF4-FFF2-40B4-BE49-F238E27FC236}">
-                <a16:creationId xmlns:a16="http://schemas.microsoft.com/office/drawing/2014/main" id="{785AF436-0318-D0DD-7C65-08E726626C66}"/>
+                <a16:creationId xmlns:a16="http://schemas.microsoft.com/office/drawing/2014/main" id="{24E45A5E-02C7-1349-C66A-04D6298E0369}"/>
               </a:ext>
             </a:extLst>
           </p:cNvPr>
@@ -2003,7 +2003,7 @@
           <a:bodyPr/>
           <a:lstStyle/>
           <a:p>
-            <a:fld id="{EEE0231E-FEC2-4A4C-A0C8-165D6092FDCD}" type="slidenum">
+            <a:fld id="{A2524FD7-6284-4F66-937E-1A532F72B4B8}" type="slidenum">
               <a:rPr lang="zh-CN" altLang="en-US" smtClean="0"/>
               <a:t>‹#›</a:t>
             </a:fld>
@@ -2014,7 +2014,7 @@
     </p:spTree>
     <p:extLst>
       <p:ext uri="{BB962C8B-B14F-4D97-AF65-F5344CB8AC3E}">
-        <p14:creationId xmlns:p14="http://schemas.microsoft.com/office/powerpoint/2010/main" val="350942548"/>
+        <p14:creationId xmlns:p14="http://schemas.microsoft.com/office/powerpoint/2010/main" val="2742414094"/>
       </p:ext>
     </p:extLst>
   </p:cSld>
@@ -2046,7 +2046,7 @@
           <p:cNvPr id="2" name="日期占位符 1">
             <a:extLst>
               <a:ext uri="{FF2B5EF4-FFF2-40B4-BE49-F238E27FC236}">
-                <a16:creationId xmlns:a16="http://schemas.microsoft.com/office/drawing/2014/main" id="{797630BA-E8F2-3A6C-96D0-2DDBC54DFA84}"/>
+                <a16:creationId xmlns:a16="http://schemas.microsoft.com/office/drawing/2014/main" id="{178ECD59-8F31-AA26-374D-9845205D3376}"/>
               </a:ext>
             </a:extLst>
           </p:cNvPr>
@@ -2062,7 +2062,7 @@
           <a:bodyPr/>
           <a:lstStyle/>
           <a:p>
-            <a:fld id="{7A2871EE-5EA3-49A2-B8E2-632B7AC8BE40}" type="datetimeFigureOut">
+            <a:fld id="{DA4510DC-FB33-46B4-AF01-C3414747CCE4}" type="datetimeFigureOut">
               <a:rPr lang="zh-CN" altLang="en-US" smtClean="0"/>
               <a:t>2024/3/10</a:t>
             </a:fld>
@@ -2075,7 +2075,7 @@
           <p:cNvPr id="3" name="页脚占位符 2">
             <a:extLst>
               <a:ext uri="{FF2B5EF4-FFF2-40B4-BE49-F238E27FC236}">
-                <a16:creationId xmlns:a16="http://schemas.microsoft.com/office/drawing/2014/main" id="{3331DD8B-14FA-2506-1B10-70D371226D9F}"/>
+                <a16:creationId xmlns:a16="http://schemas.microsoft.com/office/drawing/2014/main" id="{03C76A20-931B-2AB6-103D-869C3DF09870}"/>
               </a:ext>
             </a:extLst>
           </p:cNvPr>
@@ -2100,7 +2100,7 @@
           <p:cNvPr id="4" name="灯片编号占位符 3">
             <a:extLst>
               <a:ext uri="{FF2B5EF4-FFF2-40B4-BE49-F238E27FC236}">
-                <a16:creationId xmlns:a16="http://schemas.microsoft.com/office/drawing/2014/main" id="{44AAC77F-F35B-526C-2599-5ED2DC59C487}"/>
+                <a16:creationId xmlns:a16="http://schemas.microsoft.com/office/drawing/2014/main" id="{AEF30FE3-8715-1546-AF4B-CDE89B9708A8}"/>
               </a:ext>
             </a:extLst>
           </p:cNvPr>
@@ -2116,7 +2116,7 @@
           <a:bodyPr/>
           <a:lstStyle/>
           <a:p>
-            <a:fld id="{EEE0231E-FEC2-4A4C-A0C8-165D6092FDCD}" type="slidenum">
+            <a:fld id="{A2524FD7-6284-4F66-937E-1A532F72B4B8}" type="slidenum">
               <a:rPr lang="zh-CN" altLang="en-US" smtClean="0"/>
               <a:t>‹#›</a:t>
             </a:fld>
@@ -2127,7 +2127,7 @@
     </p:spTree>
     <p:extLst>
       <p:ext uri="{BB962C8B-B14F-4D97-AF65-F5344CB8AC3E}">
-        <p14:creationId xmlns:p14="http://schemas.microsoft.com/office/powerpoint/2010/main" val="1619964112"/>
+        <p14:creationId xmlns:p14="http://schemas.microsoft.com/office/powerpoint/2010/main" val="1837421662"/>
       </p:ext>
     </p:extLst>
   </p:cSld>
@@ -2159,7 +2159,7 @@
           <p:cNvPr id="2" name="标题 1">
             <a:extLst>
               <a:ext uri="{FF2B5EF4-FFF2-40B4-BE49-F238E27FC236}">
-                <a16:creationId xmlns:a16="http://schemas.microsoft.com/office/drawing/2014/main" id="{189F452F-D963-D5D2-E57E-563BD5A1D68E}"/>
+                <a16:creationId xmlns:a16="http://schemas.microsoft.com/office/drawing/2014/main" id="{1299DF79-532C-938A-480B-2593FB57AF9D}"/>
               </a:ext>
             </a:extLst>
           </p:cNvPr>
@@ -2196,7 +2196,7 @@
           <p:cNvPr id="3" name="内容占位符 2">
             <a:extLst>
               <a:ext uri="{FF2B5EF4-FFF2-40B4-BE49-F238E27FC236}">
-                <a16:creationId xmlns:a16="http://schemas.microsoft.com/office/drawing/2014/main" id="{140A37CB-4147-5330-A8C9-F0219DE321D4}"/>
+                <a16:creationId xmlns:a16="http://schemas.microsoft.com/office/drawing/2014/main" id="{1F5D2FB7-A46A-C765-7847-B96D088A5689}"/>
               </a:ext>
             </a:extLst>
           </p:cNvPr>
@@ -2286,7 +2286,7 @@
           <p:cNvPr id="4" name="文本占位符 3">
             <a:extLst>
               <a:ext uri="{FF2B5EF4-FFF2-40B4-BE49-F238E27FC236}">
-                <a16:creationId xmlns:a16="http://schemas.microsoft.com/office/drawing/2014/main" id="{FA34D5FC-68A4-4C33-4557-C0412CD8F3D3}"/>
+                <a16:creationId xmlns:a16="http://schemas.microsoft.com/office/drawing/2014/main" id="{4BFCCB70-4750-014A-8BE4-668E234BA5A1}"/>
               </a:ext>
             </a:extLst>
           </p:cNvPr>
@@ -2357,7 +2357,7 @@
           <p:cNvPr id="5" name="日期占位符 4">
             <a:extLst>
               <a:ext uri="{FF2B5EF4-FFF2-40B4-BE49-F238E27FC236}">
-                <a16:creationId xmlns:a16="http://schemas.microsoft.com/office/drawing/2014/main" id="{23A86C1C-A88E-0825-0DDB-1F446133AFBB}"/>
+                <a16:creationId xmlns:a16="http://schemas.microsoft.com/office/drawing/2014/main" id="{C611A27B-CD14-5247-69B6-DBE1B9C140EA}"/>
               </a:ext>
             </a:extLst>
           </p:cNvPr>
@@ -2373,7 +2373,7 @@
           <a:bodyPr/>
           <a:lstStyle/>
           <a:p>
-            <a:fld id="{7A2871EE-5EA3-49A2-B8E2-632B7AC8BE40}" type="datetimeFigureOut">
+            <a:fld id="{DA4510DC-FB33-46B4-AF01-C3414747CCE4}" type="datetimeFigureOut">
               <a:rPr lang="zh-CN" altLang="en-US" smtClean="0"/>
               <a:t>2024/3/10</a:t>
             </a:fld>
@@ -2386,7 +2386,7 @@
           <p:cNvPr id="6" name="页脚占位符 5">
             <a:extLst>
               <a:ext uri="{FF2B5EF4-FFF2-40B4-BE49-F238E27FC236}">
-                <a16:creationId xmlns:a16="http://schemas.microsoft.com/office/drawing/2014/main" id="{31D19A69-AA05-0D02-8F38-6C75362273D5}"/>
+                <a16:creationId xmlns:a16="http://schemas.microsoft.com/office/drawing/2014/main" id="{3D92E7CD-2423-96FB-2664-045BBA450083}"/>
               </a:ext>
             </a:extLst>
           </p:cNvPr>
@@ -2411,7 +2411,7 @@
           <p:cNvPr id="7" name="灯片编号占位符 6">
             <a:extLst>
               <a:ext uri="{FF2B5EF4-FFF2-40B4-BE49-F238E27FC236}">
-                <a16:creationId xmlns:a16="http://schemas.microsoft.com/office/drawing/2014/main" id="{53C21FC4-644B-B550-512A-1878D1E726BE}"/>
+                <a16:creationId xmlns:a16="http://schemas.microsoft.com/office/drawing/2014/main" id="{7600615B-B691-65BB-DE26-C1682F6CCD36}"/>
               </a:ext>
             </a:extLst>
           </p:cNvPr>
@@ -2427,7 +2427,7 @@
           <a:bodyPr/>
           <a:lstStyle/>
           <a:p>
-            <a:fld id="{EEE0231E-FEC2-4A4C-A0C8-165D6092FDCD}" type="slidenum">
+            <a:fld id="{A2524FD7-6284-4F66-937E-1A532F72B4B8}" type="slidenum">
               <a:rPr lang="zh-CN" altLang="en-US" smtClean="0"/>
               <a:t>‹#›</a:t>
             </a:fld>
@@ -2438,7 +2438,7 @@
     </p:spTree>
     <p:extLst>
       <p:ext uri="{BB962C8B-B14F-4D97-AF65-F5344CB8AC3E}">
-        <p14:creationId xmlns:p14="http://schemas.microsoft.com/office/powerpoint/2010/main" val="974571214"/>
+        <p14:creationId xmlns:p14="http://schemas.microsoft.com/office/powerpoint/2010/main" val="230850587"/>
       </p:ext>
     </p:extLst>
   </p:cSld>
@@ -2470,7 +2470,7 @@
           <p:cNvPr id="2" name="标题 1">
             <a:extLst>
               <a:ext uri="{FF2B5EF4-FFF2-40B4-BE49-F238E27FC236}">
-                <a16:creationId xmlns:a16="http://schemas.microsoft.com/office/drawing/2014/main" id="{C6EF3771-D6E0-3C3D-1354-39659F220313}"/>
+                <a16:creationId xmlns:a16="http://schemas.microsoft.com/office/drawing/2014/main" id="{6E4D09FE-7206-E43A-CC2E-454CC4C805F4}"/>
               </a:ext>
             </a:extLst>
           </p:cNvPr>
@@ -2507,7 +2507,7 @@
           <p:cNvPr id="3" name="图片占位符 2">
             <a:extLst>
               <a:ext uri="{FF2B5EF4-FFF2-40B4-BE49-F238E27FC236}">
-                <a16:creationId xmlns:a16="http://schemas.microsoft.com/office/drawing/2014/main" id="{7B930329-C91C-8A80-9CEC-115A0972EBE0}"/>
+                <a16:creationId xmlns:a16="http://schemas.microsoft.com/office/drawing/2014/main" id="{9B207AC4-063C-7F9B-B096-1E48F44655AE}"/>
               </a:ext>
             </a:extLst>
           </p:cNvPr>
@@ -2574,7 +2574,7 @@
           <p:cNvPr id="4" name="文本占位符 3">
             <a:extLst>
               <a:ext uri="{FF2B5EF4-FFF2-40B4-BE49-F238E27FC236}">
-                <a16:creationId xmlns:a16="http://schemas.microsoft.com/office/drawing/2014/main" id="{ECD5DE79-6CFF-4F4D-252A-3DC1E3B8D7E8}"/>
+                <a16:creationId xmlns:a16="http://schemas.microsoft.com/office/drawing/2014/main" id="{E7EA17C5-F95A-CB24-F8B0-258EEBDEB30E}"/>
               </a:ext>
             </a:extLst>
           </p:cNvPr>
@@ -2645,7 +2645,7 @@
           <p:cNvPr id="5" name="日期占位符 4">
             <a:extLst>
               <a:ext uri="{FF2B5EF4-FFF2-40B4-BE49-F238E27FC236}">
-                <a16:creationId xmlns:a16="http://schemas.microsoft.com/office/drawing/2014/main" id="{B24D0DA2-C7A2-13CE-A457-093701083CE8}"/>
+                <a16:creationId xmlns:a16="http://schemas.microsoft.com/office/drawing/2014/main" id="{39C55659-40F1-1B2C-2925-638C0AA3D69A}"/>
               </a:ext>
             </a:extLst>
           </p:cNvPr>
@@ -2661,7 +2661,7 @@
           <a:bodyPr/>
           <a:lstStyle/>
           <a:p>
-            <a:fld id="{7A2871EE-5EA3-49A2-B8E2-632B7AC8BE40}" type="datetimeFigureOut">
+            <a:fld id="{DA4510DC-FB33-46B4-AF01-C3414747CCE4}" type="datetimeFigureOut">
               <a:rPr lang="zh-CN" altLang="en-US" smtClean="0"/>
               <a:t>2024/3/10</a:t>
             </a:fld>
@@ -2674,7 +2674,7 @@
           <p:cNvPr id="6" name="页脚占位符 5">
             <a:extLst>
               <a:ext uri="{FF2B5EF4-FFF2-40B4-BE49-F238E27FC236}">
-                <a16:creationId xmlns:a16="http://schemas.microsoft.com/office/drawing/2014/main" id="{E3FF94A4-77B8-5846-F7BA-2BD038DB9FA8}"/>
+                <a16:creationId xmlns:a16="http://schemas.microsoft.com/office/drawing/2014/main" id="{561878BD-E9B1-341E-4B63-B83EE575D5EE}"/>
               </a:ext>
             </a:extLst>
           </p:cNvPr>
@@ -2699,7 +2699,7 @@
           <p:cNvPr id="7" name="灯片编号占位符 6">
             <a:extLst>
               <a:ext uri="{FF2B5EF4-FFF2-40B4-BE49-F238E27FC236}">
-                <a16:creationId xmlns:a16="http://schemas.microsoft.com/office/drawing/2014/main" id="{A1D0597A-453F-62AC-F0AA-F4E51ED9C719}"/>
+                <a16:creationId xmlns:a16="http://schemas.microsoft.com/office/drawing/2014/main" id="{7000E3D4-2376-27B4-4A7B-B6592AEAE5F1}"/>
               </a:ext>
             </a:extLst>
           </p:cNvPr>
@@ -2715,7 +2715,7 @@
           <a:bodyPr/>
           <a:lstStyle/>
           <a:p>
-            <a:fld id="{EEE0231E-FEC2-4A4C-A0C8-165D6092FDCD}" type="slidenum">
+            <a:fld id="{A2524FD7-6284-4F66-937E-1A532F72B4B8}" type="slidenum">
               <a:rPr lang="zh-CN" altLang="en-US" smtClean="0"/>
               <a:t>‹#›</a:t>
             </a:fld>
@@ -2726,7 +2726,7 @@
     </p:spTree>
     <p:extLst>
       <p:ext uri="{BB962C8B-B14F-4D97-AF65-F5344CB8AC3E}">
-        <p14:creationId xmlns:p14="http://schemas.microsoft.com/office/powerpoint/2010/main" val="3976785298"/>
+        <p14:creationId xmlns:p14="http://schemas.microsoft.com/office/powerpoint/2010/main" val="2411632390"/>
       </p:ext>
     </p:extLst>
   </p:cSld>
@@ -2763,7 +2763,7 @@
           <p:cNvPr id="2" name="标题占位符 1">
             <a:extLst>
               <a:ext uri="{FF2B5EF4-FFF2-40B4-BE49-F238E27FC236}">
-                <a16:creationId xmlns:a16="http://schemas.microsoft.com/office/drawing/2014/main" id="{E35FF857-142F-58A8-6857-6F3BE1A8957C}"/>
+                <a16:creationId xmlns:a16="http://schemas.microsoft.com/office/drawing/2014/main" id="{9300D27B-589C-8620-C239-B944E5978E66}"/>
               </a:ext>
             </a:extLst>
           </p:cNvPr>
@@ -2801,7 +2801,7 @@
           <p:cNvPr id="3" name="文本占位符 2">
             <a:extLst>
               <a:ext uri="{FF2B5EF4-FFF2-40B4-BE49-F238E27FC236}">
-                <a16:creationId xmlns:a16="http://schemas.microsoft.com/office/drawing/2014/main" id="{F77CBEBB-7B24-BF2A-5FA8-01EF4DA43221}"/>
+                <a16:creationId xmlns:a16="http://schemas.microsoft.com/office/drawing/2014/main" id="{3336438C-1AE2-73AB-EE04-680CF5021DB8}"/>
               </a:ext>
             </a:extLst>
           </p:cNvPr>
@@ -2868,7 +2868,7 @@
           <p:cNvPr id="4" name="日期占位符 3">
             <a:extLst>
               <a:ext uri="{FF2B5EF4-FFF2-40B4-BE49-F238E27FC236}">
-                <a16:creationId xmlns:a16="http://schemas.microsoft.com/office/drawing/2014/main" id="{DA386918-75C9-6159-21F0-9DF1E330E35A}"/>
+                <a16:creationId xmlns:a16="http://schemas.microsoft.com/office/drawing/2014/main" id="{43EEC915-2CCC-C4D8-A63C-7954E03C48DC}"/>
               </a:ext>
             </a:extLst>
           </p:cNvPr>
@@ -2902,7 +2902,7 @@
             </a:lvl1pPr>
           </a:lstStyle>
           <a:p>
-            <a:fld id="{7A2871EE-5EA3-49A2-B8E2-632B7AC8BE40}" type="datetimeFigureOut">
+            <a:fld id="{DA4510DC-FB33-46B4-AF01-C3414747CCE4}" type="datetimeFigureOut">
               <a:rPr lang="zh-CN" altLang="en-US" smtClean="0"/>
               <a:t>2024/3/10</a:t>
             </a:fld>
@@ -2915,7 +2915,7 @@
           <p:cNvPr id="5" name="页脚占位符 4">
             <a:extLst>
               <a:ext uri="{FF2B5EF4-FFF2-40B4-BE49-F238E27FC236}">
-                <a16:creationId xmlns:a16="http://schemas.microsoft.com/office/drawing/2014/main" id="{DF23C281-351A-792F-D114-8D1516865793}"/>
+                <a16:creationId xmlns:a16="http://schemas.microsoft.com/office/drawing/2014/main" id="{1D556455-8469-73BF-B807-553F5655FE32}"/>
               </a:ext>
             </a:extLst>
           </p:cNvPr>
@@ -2958,7 +2958,7 @@
           <p:cNvPr id="6" name="灯片编号占位符 5">
             <a:extLst>
               <a:ext uri="{FF2B5EF4-FFF2-40B4-BE49-F238E27FC236}">
-                <a16:creationId xmlns:a16="http://schemas.microsoft.com/office/drawing/2014/main" id="{D99251D6-2DE3-265F-D34E-37D6AC498472}"/>
+                <a16:creationId xmlns:a16="http://schemas.microsoft.com/office/drawing/2014/main" id="{EF7FC571-A654-4A29-DA9C-00C41E7326E0}"/>
               </a:ext>
             </a:extLst>
           </p:cNvPr>
@@ -2992,7 +2992,7 @@
             </a:lvl1pPr>
           </a:lstStyle>
           <a:p>
-            <a:fld id="{EEE0231E-FEC2-4A4C-A0C8-165D6092FDCD}" type="slidenum">
+            <a:fld id="{A2524FD7-6284-4F66-937E-1A532F72B4B8}" type="slidenum">
               <a:rPr lang="zh-CN" altLang="en-US" smtClean="0"/>
               <a:t>‹#›</a:t>
             </a:fld>
@@ -3003,7 +3003,7 @@
     </p:spTree>
     <p:extLst>
       <p:ext uri="{BB962C8B-B14F-4D97-AF65-F5344CB8AC3E}">
-        <p14:creationId xmlns:p14="http://schemas.microsoft.com/office/powerpoint/2010/main" val="193814850"/>
+        <p14:creationId xmlns:p14="http://schemas.microsoft.com/office/powerpoint/2010/main" val="2691615593"/>
       </p:ext>
     </p:extLst>
   </p:cSld>
@@ -3323,7 +3323,7 @@
       </p:grpSpPr>
       <p:pic>
         <p:nvPicPr>
-          <p:cNvPr id="493570" name="Picture 2" descr="481"/>
+          <p:cNvPr id="494594" name="Picture 2" descr="482"/>
           <p:cNvPicPr>
             <a:picLocks noChangeAspect="1" noChangeArrowheads="1"/>
           </p:cNvPicPr>
@@ -3375,158 +3375,11 @@
           </a:extLst>
         </p:spPr>
       </p:pic>
-      <p:pic>
-        <p:nvPicPr>
-          <p:cNvPr id="494595" name="Picture 3" descr="481-2"/>
-          <p:cNvPicPr>
-            <a:picLocks noChangeAspect="1" noChangeArrowheads="1"/>
-          </p:cNvPicPr>
-          <p:nvPr/>
-        </p:nvPicPr>
-        <p:blipFill>
-          <a:blip r:embed="rId3">
-            <a:extLst>
-              <a:ext uri="{28A0092B-C50C-407E-A947-70E740481C1C}">
-                <a14:useLocalDpi xmlns:a14="http://schemas.microsoft.com/office/drawing/2010/main" val="0"/>
-              </a:ext>
-            </a:extLst>
-          </a:blip>
-          <a:srcRect/>
-          <a:stretch>
-            <a:fillRect/>
-          </a:stretch>
-        </p:blipFill>
-        <p:spPr bwMode="auto">
-          <a:xfrm>
-            <a:off x="1524000" y="-11113"/>
-            <a:ext cx="9144000" cy="6842126"/>
-          </a:xfrm>
-          <a:prstGeom prst="rect">
-            <a:avLst/>
-          </a:prstGeom>
-          <a:noFill/>
-          <a:ln>
-            <a:noFill/>
-          </a:ln>
-          <a:effectLst/>
-          <a:extLst>
-            <a:ext uri="{909E8E84-426E-40DD-AFC4-6F175D3DCCD1}">
-              <a14:hiddenFill xmlns:a14="http://schemas.microsoft.com/office/drawing/2010/main">
-                <a:solidFill>
-                  <a:srgbClr val="FFFFFF"/>
-                </a:solidFill>
-              </a14:hiddenFill>
-            </a:ext>
-            <a:ext uri="{91240B29-F687-4F45-9708-019B960494DF}">
-              <a14:hiddenLine xmlns:a14="http://schemas.microsoft.com/office/drawing/2010/main" w="9525">
-                <a:solidFill>
-                  <a:srgbClr val="000000"/>
-                </a:solidFill>
-                <a:miter lim="800000"/>
-                <a:headEnd/>
-                <a:tailEnd/>
-              </a14:hiddenLine>
-            </a:ext>
-            <a:ext uri="{AF507438-7753-43E0-B8FC-AC1667EBCBE1}">
-              <a14:hiddenEffects xmlns:a14="http://schemas.microsoft.com/office/drawing/2010/main">
-                <a:effectLst>
-                  <a:outerShdw dist="35921" dir="2700000" algn="ctr" rotWithShape="0">
-                    <a:srgbClr val="808080"/>
-                  </a:outerShdw>
-                </a:effectLst>
-              </a14:hiddenEffects>
-            </a:ext>
-          </a:extLst>
-        </p:spPr>
-      </p:pic>
     </p:spTree>
   </p:cSld>
   <p:clrMapOvr>
     <a:masterClrMapping/>
   </p:clrMapOvr>
-  <p:timing>
-    <p:tnLst>
-      <p:par>
-        <p:cTn id="1" dur="indefinite" restart="never" nodeType="tmRoot">
-          <p:childTnLst>
-            <p:seq concurrent="1" nextAc="seek">
-              <p:cTn id="2" dur="indefinite" nodeType="mainSeq">
-                <p:childTnLst>
-                  <p:par>
-                    <p:cTn id="3" fill="hold" nodeType="clickPar">
-                      <p:stCondLst>
-                        <p:cond delay="indefinite"/>
-                      </p:stCondLst>
-                      <p:childTnLst>
-                        <p:par>
-                          <p:cTn id="4" fill="hold" nodeType="withGroup">
-                            <p:stCondLst>
-                              <p:cond delay="0"/>
-                            </p:stCondLst>
-                            <p:childTnLst>
-                              <p:par>
-                                <p:cTn id="5" presetID="10" presetClass="entr" presetSubtype="0" fill="hold" nodeType="clickEffect">
-                                  <p:stCondLst>
-                                    <p:cond delay="0"/>
-                                  </p:stCondLst>
-                                  <p:childTnLst>
-                                    <p:set>
-                                      <p:cBhvr>
-                                        <p:cTn id="6" dur="1" fill="hold">
-                                          <p:stCondLst>
-                                            <p:cond delay="0"/>
-                                          </p:stCondLst>
-                                        </p:cTn>
-                                        <p:tgtEl>
-                                          <p:spTgt spid="494595"/>
-                                        </p:tgtEl>
-                                        <p:attrNameLst>
-                                          <p:attrName>style.visibility</p:attrName>
-                                        </p:attrNameLst>
-                                      </p:cBhvr>
-                                      <p:to>
-                                        <p:strVal val="visible"/>
-                                      </p:to>
-                                    </p:set>
-                                    <p:animEffect transition="in" filter="fade">
-                                      <p:cBhvr>
-                                        <p:cTn id="7" dur="500"/>
-                                        <p:tgtEl>
-                                          <p:spTgt spid="494595"/>
-                                        </p:tgtEl>
-                                      </p:cBhvr>
-                                    </p:animEffect>
-                                  </p:childTnLst>
-                                </p:cTn>
-                              </p:par>
-                            </p:childTnLst>
-                          </p:cTn>
-                        </p:par>
-                      </p:childTnLst>
-                    </p:cTn>
-                  </p:par>
-                </p:childTnLst>
-              </p:cTn>
-              <p:prevCondLst>
-                <p:cond evt="onPrev" delay="0">
-                  <p:tgtEl>
-                    <p:sldTgt/>
-                  </p:tgtEl>
-                </p:cond>
-              </p:prevCondLst>
-              <p:nextCondLst>
-                <p:cond evt="onNext" delay="0">
-                  <p:tgtEl>
-                    <p:sldTgt/>
-                  </p:tgtEl>
-                </p:cond>
-              </p:nextCondLst>
-            </p:seq>
-          </p:childTnLst>
-        </p:cTn>
-      </p:par>
-    </p:tnLst>
-  </p:timing>
 </p:sld>
 </file>
 
